--- a/3_implementation/08.TutorialOnEM/artifact/TutorialOnEM-Poster.pptx
+++ b/3_implementation/08.TutorialOnEM/artifact/TutorialOnEM-Poster.pptx
@@ -217,7 +217,7 @@
           <a:p>
             <a:fld id="{676B30CB-839A-47A6-9532-260122BEAE9C}" type="datetimeFigureOut">
               <a:rPr lang="en-US" smtClean="0"/>
-              <a:t>23/07/2022</a:t>
+              <a:t>04/08/2022</a:t>
             </a:fld>
             <a:endParaRPr lang="en-US"/>
           </a:p>
@@ -394,7 +394,7 @@
           <a:p>
             <a:fld id="{8E6BD8EF-833A-4756-9DE8-262172883D9B}" type="datetimeFigureOut">
               <a:rPr lang="en-US" smtClean="0"/>
-              <a:t>23/07/2022</a:t>
+              <a:t>04/08/2022</a:t>
             </a:fld>
             <a:endParaRPr lang="en-US"/>
           </a:p>
@@ -1085,7 +1085,7 @@
           <a:p>
             <a:fld id="{5DA464AE-66DC-4CD8-9716-95BA9A21AE05}" type="datetime1">
               <a:rPr lang="en-US" smtClean="0"/>
-              <a:t>23/07/2022</a:t>
+              <a:t>04/08/2022</a:t>
             </a:fld>
             <a:endParaRPr lang="en-US"/>
           </a:p>
@@ -1316,7 +1316,7 @@
           <a:p>
             <a:fld id="{108F3AA0-CD29-4F7D-97CD-435FD7DA39B4}" type="datetime1">
               <a:rPr lang="en-US" smtClean="0"/>
-              <a:t>23/07/2022</a:t>
+              <a:t>04/08/2022</a:t>
             </a:fld>
             <a:endParaRPr lang="en-US"/>
           </a:p>
@@ -1557,7 +1557,7 @@
           <a:p>
             <a:fld id="{842C8770-221A-4AF7-ABF5-F7B6D2620554}" type="datetime1">
               <a:rPr lang="en-US" smtClean="0"/>
-              <a:t>23/07/2022</a:t>
+              <a:t>04/08/2022</a:t>
             </a:fld>
             <a:endParaRPr lang="en-US"/>
           </a:p>
@@ -1831,7 +1831,7 @@
           <a:p>
             <a:fld id="{17837878-F0B4-4DAF-8F6B-A163456C4BFF}" type="datetime1">
               <a:rPr lang="en-US" smtClean="0"/>
-              <a:t>23/07/2022</a:t>
+              <a:t>04/08/2022</a:t>
             </a:fld>
             <a:endParaRPr lang="en-US"/>
           </a:p>
@@ -2106,7 +2106,7 @@
           <a:p>
             <a:fld id="{2F087427-C145-4C98-8891-09B1A4FDD24C}" type="datetime1">
               <a:rPr lang="en-US" smtClean="0"/>
-              <a:t>23/07/2022</a:t>
+              <a:t>04/08/2022</a:t>
             </a:fld>
             <a:endParaRPr lang="en-US"/>
           </a:p>
@@ -2429,7 +2429,7 @@
           <a:p>
             <a:fld id="{C72A5BDB-3B1F-48FB-A42F-227F6ECDEF6B}" type="datetime1">
               <a:rPr lang="en-US" smtClean="0"/>
-              <a:t>23/07/2022</a:t>
+              <a:t>04/08/2022</a:t>
             </a:fld>
             <a:endParaRPr lang="en-US"/>
           </a:p>
@@ -2893,7 +2893,7 @@
           <a:p>
             <a:fld id="{AB1779F5-C4FD-47A5-A482-D3423B97B46C}" type="datetime1">
               <a:rPr lang="en-US" smtClean="0"/>
-              <a:t>23/07/2022</a:t>
+              <a:t>04/08/2022</a:t>
             </a:fld>
             <a:endParaRPr lang="en-US"/>
           </a:p>
@@ -3042,7 +3042,7 @@
           <a:p>
             <a:fld id="{E844A8B0-14D5-402C-B535-163C9B2F8057}" type="datetime1">
               <a:rPr lang="en-US" smtClean="0"/>
-              <a:t>23/07/2022</a:t>
+              <a:t>04/08/2022</a:t>
             </a:fld>
             <a:endParaRPr lang="en-US"/>
           </a:p>
@@ -3162,7 +3162,7 @@
           <a:p>
             <a:fld id="{8BD1C7B5-CCEE-4EEC-B57B-391C76900FA0}" type="datetime1">
               <a:rPr lang="en-US" smtClean="0"/>
-              <a:t>23/07/2022</a:t>
+              <a:t>04/08/2022</a:t>
             </a:fld>
             <a:endParaRPr lang="en-US"/>
           </a:p>
@@ -3483,7 +3483,7 @@
           <a:p>
             <a:fld id="{80646FDF-A621-429C-AB9E-D110A6C46FA4}" type="datetime1">
               <a:rPr lang="en-US" smtClean="0"/>
-              <a:t>23/07/2022</a:t>
+              <a:t>04/08/2022</a:t>
             </a:fld>
             <a:endParaRPr lang="en-US"/>
           </a:p>
@@ -3769,7 +3769,7 @@
           <a:p>
             <a:fld id="{639822B3-CC6B-481E-B50C-D14765607D10}" type="datetime1">
               <a:rPr lang="en-US" smtClean="0"/>
-              <a:t>23/07/2022</a:t>
+              <a:t>04/08/2022</a:t>
             </a:fld>
             <a:endParaRPr lang="en-US"/>
           </a:p>
@@ -4000,7 +4000,7 @@
           <a:p>
             <a:fld id="{286A8CE3-E151-4FCA-8CCA-715519B75CE4}" type="datetime1">
               <a:rPr lang="en-US" smtClean="0"/>
-              <a:t>23/07/2022</a:t>
+              <a:t>04/08/2022</a:t>
             </a:fld>
             <a:endParaRPr lang="en-US"/>
           </a:p>
@@ -6202,38 +6202,13 @@
                                   </m:ctrlPr>
                                 </m:dPr>
                                 <m:e>
-                                  <m:sSub>
-                                    <m:sSubPr>
-                                      <m:ctrlPr>
-                                        <a:rPr lang="en-US" i="1">
-                                          <a:effectLst/>
-                                          <a:latin typeface="Cambria Math" panose="02040503050406030204" pitchFamily="18" charset="0"/>
-                                        </a:rPr>
-                                      </m:ctrlPr>
-                                    </m:sSubPr>
-                                    <m:e>
-                                      <m:r>
-                                        <a:rPr lang="en-US" sz="1800" i="1">
-                                          <a:effectLst/>
-                                          <a:latin typeface="Cambria Math" panose="02040503050406030204" pitchFamily="18" charset="0"/>
-                                          <a:ea typeface="SimSun" panose="02010600030101010101" pitchFamily="2" charset="-122"/>
-                                          <a:cs typeface="Times New Roman" panose="02020603050405020304" pitchFamily="18" charset="0"/>
-                                        </a:rPr>
-                                        <m:t>𝑋</m:t>
-                                      </m:r>
-                                    </m:e>
-                                    <m:sub>
-                                      <m:r>
-                                        <a:rPr lang="en-US" sz="1800" i="1">
-                                          <a:effectLst/>
-                                          <a:latin typeface="Cambria Math" panose="02040503050406030204" pitchFamily="18" charset="0"/>
-                                          <a:ea typeface="SimSun" panose="02010600030101010101" pitchFamily="2" charset="-122"/>
-                                          <a:cs typeface="Times New Roman" panose="02020603050405020304" pitchFamily="18" charset="0"/>
-                                        </a:rPr>
-                                        <m:t>𝑖</m:t>
-                                      </m:r>
-                                    </m:sub>
-                                  </m:sSub>
+                                  <m:r>
+                                    <a:rPr lang="en-US" b="0" i="1" smtClean="0">
+                                      <a:effectLst/>
+                                      <a:latin typeface="Cambria Math" panose="02040503050406030204" pitchFamily="18" charset="0"/>
+                                    </a:rPr>
+                                    <m:t>𝑋</m:t>
+                                  </m:r>
                                 </m:e>
                                 <m:e>
                                   <m:sSub>
@@ -6417,38 +6392,14 @@
                                 </a:rPr>
                                 <m:t>d</m:t>
                               </m:r>
-                              <m:sSub>
-                                <m:sSubPr>
-                                  <m:ctrlPr>
-                                    <a:rPr lang="en-US" i="1">
-                                      <a:effectLst/>
-                                      <a:latin typeface="Cambria Math" panose="02040503050406030204" pitchFamily="18" charset="0"/>
-                                    </a:rPr>
-                                  </m:ctrlPr>
-                                </m:sSubPr>
-                                <m:e>
-                                  <m:r>
-                                    <a:rPr lang="en-US" sz="1800" i="1">
-                                      <a:effectLst/>
-                                      <a:latin typeface="Cambria Math" panose="02040503050406030204" pitchFamily="18" charset="0"/>
-                                      <a:ea typeface="SimSun" panose="02010600030101010101" pitchFamily="2" charset="-122"/>
-                                      <a:cs typeface="Times New Roman" panose="02020603050405020304" pitchFamily="18" charset="0"/>
-                                    </a:rPr>
-                                    <m:t>𝑋</m:t>
-                                  </m:r>
-                                </m:e>
-                                <m:sub>
-                                  <m:r>
-                                    <a:rPr lang="en-US" sz="1800" i="1">
-                                      <a:effectLst/>
-                                      <a:latin typeface="Cambria Math" panose="02040503050406030204" pitchFamily="18" charset="0"/>
-                                      <a:ea typeface="SimSun" panose="02010600030101010101" pitchFamily="2" charset="-122"/>
-                                      <a:cs typeface="Times New Roman" panose="02020603050405020304" pitchFamily="18" charset="0"/>
-                                    </a:rPr>
-                                    <m:t>𝑖</m:t>
-                                  </m:r>
-                                </m:sub>
-                              </m:sSub>
+                              <m:r>
+                                <a:rPr lang="en-US" i="1">
+                                  <a:latin typeface="Cambria Math" panose="02040503050406030204" pitchFamily="18" charset="0"/>
+                                  <a:ea typeface="SimSun" panose="02010600030101010101" pitchFamily="2" charset="-122"/>
+                                  <a:cs typeface="Times New Roman" panose="02020603050405020304" pitchFamily="18" charset="0"/>
+                                </a:rPr>
+                                <m:t>𝑋</m:t>
+                              </m:r>
                             </m:e>
                           </m:nary>
                         </m:e>
@@ -8455,7 +8406,7 @@
         <p:spPr>
           <a:xfrm>
             <a:off x="201038" y="6401087"/>
-            <a:ext cx="6892913" cy="307777"/>
+            <a:ext cx="6897722" cy="307777"/>
           </a:xfrm>
           <a:prstGeom prst="rect">
             <a:avLst/>
@@ -8473,7 +8424,21 @@
                 <a:latin typeface="Times New Roman" panose="02020603050405020304" pitchFamily="18" charset="0"/>
                 <a:cs typeface="Times New Roman" panose="02020603050405020304" pitchFamily="18" charset="0"/>
               </a:rPr>
-              <a:t>Tutorial on EM algorithm – Loc Nguyen (ng_phloc@yahoo.com) – http://www.locnguyen.net</a:t>
+              <a:t>Tutorial on EM </a:t>
+            </a:r>
+            <a:r>
+              <a:rPr lang="en-US" sz="1400">
+                <a:latin typeface="Times New Roman" panose="02020603050405020304" pitchFamily="18" charset="0"/>
+                <a:cs typeface="Times New Roman" panose="02020603050405020304" pitchFamily="18" charset="0"/>
+              </a:rPr>
+              <a:t>algorithm – Loc </a:t>
+            </a:r>
+            <a:r>
+              <a:rPr lang="en-US" sz="1400" dirty="0">
+                <a:latin typeface="Times New Roman" panose="02020603050405020304" pitchFamily="18" charset="0"/>
+                <a:cs typeface="Times New Roman" panose="02020603050405020304" pitchFamily="18" charset="0"/>
+              </a:rPr>
+              <a:t>Nguyen (ng_phloc@yahoo.com) – http://www.locnguyen.net</a:t>
             </a:r>
           </a:p>
         </p:txBody>
